--- a/자료/Ch12. Registers_Counters.pptx
+++ b/자료/Ch12. Registers_Counters.pptx
@@ -22626,8 +22626,8 @@
         </p:nvSpPr>
         <p:spPr bwMode="auto">
           <a:xfrm>
-            <a:off x="259969" y="4365104"/>
-            <a:ext cx="1981200" cy="1200150"/>
+            <a:off x="259968" y="4365104"/>
+            <a:ext cx="2079783" cy="1200329"/>
           </a:xfrm>
           <a:prstGeom prst="rect">
             <a:avLst/>
@@ -22652,7 +22652,7 @@
           </a:extLst>
         </p:spPr>
         <p:txBody>
-          <a:bodyPr>
+          <a:bodyPr wrap="square">
             <a:spAutoFit/>
           </a:bodyPr>
           <a:lstStyle>
@@ -22792,7 +22792,7 @@
             </a:pPr>
             <a:r>
               <a:rPr lang="en-US" altLang="ko-KR" b="1" dirty="0"/>
-              <a:t>Counter</a:t>
+              <a:t>Modified Counter</a:t>
             </a:r>
           </a:p>
         </p:txBody>
@@ -22912,6 +22912,53 @@
           </a:extLst>
         </p:spPr>
       </p:pic>
+      <p:sp>
+        <p:nvSpPr>
+          <p:cNvPr id="2" name="사각형: 둥근 모서리 1">
+            <a:extLst>
+              <a:ext uri="{FF2B5EF4-FFF2-40B4-BE49-F238E27FC236}">
+                <a16:creationId xmlns:a16="http://schemas.microsoft.com/office/drawing/2014/main" id="{BAF93087-AA1C-721E-4372-4850B20CD111}"/>
+              </a:ext>
+            </a:extLst>
+          </p:cNvPr>
+          <p:cNvSpPr/>
+          <p:nvPr/>
+        </p:nvSpPr>
+        <p:spPr>
+          <a:xfrm>
+            <a:off x="5292080" y="5661248"/>
+            <a:ext cx="1080120" cy="649065"/>
+          </a:xfrm>
+          <a:prstGeom prst="roundRect">
+            <a:avLst/>
+          </a:prstGeom>
+          <a:noFill/>
+        </p:spPr>
+        <p:style>
+          <a:lnRef idx="2">
+            <a:schemeClr val="accent1">
+              <a:shade val="50000"/>
+            </a:schemeClr>
+          </a:lnRef>
+          <a:fillRef idx="1">
+            <a:schemeClr val="accent1"/>
+          </a:fillRef>
+          <a:effectRef idx="0">
+            <a:schemeClr val="accent1"/>
+          </a:effectRef>
+          <a:fontRef idx="minor">
+            <a:schemeClr val="lt1"/>
+          </a:fontRef>
+        </p:style>
+        <p:txBody>
+          <a:bodyPr rtlCol="0" anchor="ctr"/>
+          <a:lstStyle/>
+          <a:p>
+            <a:pPr algn="ctr"/>
+            <a:endParaRPr lang="ko-KR" altLang="en-US"/>
+          </a:p>
+        </p:txBody>
+      </p:sp>
     </p:spTree>
   </p:cSld>
   <p:clrMapOvr>
@@ -23327,8 +23374,8 @@
               </a:spcBef>
             </a:pPr>
             <a:r>
-              <a:rPr lang="en-US" altLang="ko-KR" sz="2000" b="1"/>
-              <a:t>Summary:</a:t>
+              <a:rPr lang="en-US" altLang="ko-KR" sz="2000" b="1" dirty="0"/>
+              <a:t>Summary</a:t>
             </a:r>
           </a:p>
         </p:txBody>
@@ -23349,7 +23396,7 @@
         </p:nvSpPr>
         <p:spPr bwMode="auto">
           <a:xfrm>
-            <a:off x="250825" y="1989138"/>
+            <a:off x="250825" y="1844824"/>
             <a:ext cx="8153400" cy="2073275"/>
           </a:xfrm>
           <a:prstGeom prst="rect">
@@ -23494,7 +23541,7 @@
               <a:buAutoNum type="arabicPeriod"/>
             </a:pPr>
             <a:r>
-              <a:rPr lang="en-US" altLang="ko-KR" sz="2000" b="1"/>
+              <a:rPr lang="en-US" altLang="ko-KR" sz="2000" b="1" dirty="0"/>
               <a:t>Form a state table which gives the next F/F states for each combination of present F/F states.</a:t>
             </a:r>
           </a:p>
@@ -23507,7 +23554,7 @@
               <a:buAutoNum type="arabicPeriod"/>
             </a:pPr>
             <a:r>
-              <a:rPr lang="en-US" altLang="ko-KR" sz="2000" b="1"/>
+              <a:rPr lang="en-US" altLang="ko-KR" sz="2000" b="1" dirty="0"/>
               <a:t>Plot the next-state K-maps from the table.</a:t>
             </a:r>
           </a:p>
@@ -23520,7 +23567,7 @@
               <a:buAutoNum type="arabicPeriod"/>
             </a:pPr>
             <a:r>
-              <a:rPr lang="en-US" altLang="ko-KR" sz="2000" b="1"/>
+              <a:rPr lang="en-US" altLang="ko-KR" sz="2000" b="1" dirty="0"/>
               <a:t>Plot a T input map for each F/F .</a:t>
             </a:r>
           </a:p>
@@ -23533,9 +23580,596 @@
               <a:buAutoNum type="arabicPeriod"/>
             </a:pPr>
             <a:r>
-              <a:rPr lang="en-US" altLang="ko-KR" sz="2000" b="1"/>
+              <a:rPr lang="en-US" altLang="ko-KR" sz="2000" b="1" dirty="0"/>
               <a:t>Find the T input equations from the maps and realize the circuit.</a:t>
             </a:r>
+          </a:p>
+        </p:txBody>
+      </p:sp>
+      <p:sp>
+        <p:nvSpPr>
+          <p:cNvPr id="2" name="Text Box 3">
+            <a:extLst>
+              <a:ext uri="{FF2B5EF4-FFF2-40B4-BE49-F238E27FC236}">
+                <a16:creationId xmlns:a16="http://schemas.microsoft.com/office/drawing/2014/main" id="{4AD00BC1-978C-0A91-C0E7-E6529EA1081F}"/>
+              </a:ext>
+            </a:extLst>
+          </p:cNvPr>
+          <p:cNvSpPr txBox="1">
+            <a:spLocks noChangeArrowheads="1"/>
+          </p:cNvSpPr>
+          <p:nvPr/>
+        </p:nvSpPr>
+        <p:spPr bwMode="auto">
+          <a:xfrm>
+            <a:off x="251520" y="4256261"/>
+            <a:ext cx="4320480" cy="396875"/>
+          </a:xfrm>
+          <a:prstGeom prst="rect">
+            <a:avLst/>
+          </a:prstGeom>
+          <a:solidFill>
+            <a:schemeClr val="accent1"/>
+          </a:solidFill>
+          <a:ln>
+            <a:noFill/>
+          </a:ln>
+          <a:extLst>
+            <a:ext uri="{91240B29-F687-4F45-9708-019B960494DF}">
+              <a14:hiddenLine xmlns:a14="http://schemas.microsoft.com/office/drawing/2010/main" w="9525">
+                <a:solidFill>
+                  <a:srgbClr val="000000"/>
+                </a:solidFill>
+                <a:miter lim="800000"/>
+                <a:headEnd/>
+                <a:tailEnd/>
+              </a14:hiddenLine>
+            </a:ext>
+          </a:extLst>
+        </p:spPr>
+        <p:txBody>
+          <a:bodyPr wrap="square">
+            <a:spAutoFit/>
+          </a:bodyPr>
+          <a:lstStyle>
+            <a:lvl1pPr>
+              <a:defRPr kumimoji="1">
+                <a:solidFill>
+                  <a:schemeClr val="tx1"/>
+                </a:solidFill>
+                <a:latin typeface="굴림" panose="020B0600000101010101" pitchFamily="50" charset="-127"/>
+                <a:ea typeface="굴림" panose="020B0600000101010101" pitchFamily="50" charset="-127"/>
+              </a:defRPr>
+            </a:lvl1pPr>
+            <a:lvl2pPr marL="742950" indent="-285750">
+              <a:defRPr kumimoji="1">
+                <a:solidFill>
+                  <a:schemeClr val="tx1"/>
+                </a:solidFill>
+                <a:latin typeface="굴림" panose="020B0600000101010101" pitchFamily="50" charset="-127"/>
+                <a:ea typeface="굴림" panose="020B0600000101010101" pitchFamily="50" charset="-127"/>
+              </a:defRPr>
+            </a:lvl2pPr>
+            <a:lvl3pPr marL="1143000" indent="-228600">
+              <a:defRPr kumimoji="1">
+                <a:solidFill>
+                  <a:schemeClr val="tx1"/>
+                </a:solidFill>
+                <a:latin typeface="굴림" panose="020B0600000101010101" pitchFamily="50" charset="-127"/>
+                <a:ea typeface="굴림" panose="020B0600000101010101" pitchFamily="50" charset="-127"/>
+              </a:defRPr>
+            </a:lvl3pPr>
+            <a:lvl4pPr marL="1600200" indent="-228600">
+              <a:defRPr kumimoji="1">
+                <a:solidFill>
+                  <a:schemeClr val="tx1"/>
+                </a:solidFill>
+                <a:latin typeface="굴림" panose="020B0600000101010101" pitchFamily="50" charset="-127"/>
+                <a:ea typeface="굴림" panose="020B0600000101010101" pitchFamily="50" charset="-127"/>
+              </a:defRPr>
+            </a:lvl4pPr>
+            <a:lvl5pPr marL="2057400" indent="-228600">
+              <a:defRPr kumimoji="1">
+                <a:solidFill>
+                  <a:schemeClr val="tx1"/>
+                </a:solidFill>
+                <a:latin typeface="굴림" panose="020B0600000101010101" pitchFamily="50" charset="-127"/>
+                <a:ea typeface="굴림" panose="020B0600000101010101" pitchFamily="50" charset="-127"/>
+              </a:defRPr>
+            </a:lvl5pPr>
+            <a:lvl6pPr marL="2514600" indent="-228600" eaLnBrk="0" fontAlgn="base" hangingPunct="0">
+              <a:spcBef>
+                <a:spcPct val="0"/>
+              </a:spcBef>
+              <a:spcAft>
+                <a:spcPct val="0"/>
+              </a:spcAft>
+              <a:defRPr kumimoji="1">
+                <a:solidFill>
+                  <a:schemeClr val="tx1"/>
+                </a:solidFill>
+                <a:latin typeface="굴림" panose="020B0600000101010101" pitchFamily="50" charset="-127"/>
+                <a:ea typeface="굴림" panose="020B0600000101010101" pitchFamily="50" charset="-127"/>
+              </a:defRPr>
+            </a:lvl6pPr>
+            <a:lvl7pPr marL="2971800" indent="-228600" eaLnBrk="0" fontAlgn="base" hangingPunct="0">
+              <a:spcBef>
+                <a:spcPct val="0"/>
+              </a:spcBef>
+              <a:spcAft>
+                <a:spcPct val="0"/>
+              </a:spcAft>
+              <a:defRPr kumimoji="1">
+                <a:solidFill>
+                  <a:schemeClr val="tx1"/>
+                </a:solidFill>
+                <a:latin typeface="굴림" panose="020B0600000101010101" pitchFamily="50" charset="-127"/>
+                <a:ea typeface="굴림" panose="020B0600000101010101" pitchFamily="50" charset="-127"/>
+              </a:defRPr>
+            </a:lvl7pPr>
+            <a:lvl8pPr marL="3429000" indent="-228600" eaLnBrk="0" fontAlgn="base" hangingPunct="0">
+              <a:spcBef>
+                <a:spcPct val="0"/>
+              </a:spcBef>
+              <a:spcAft>
+                <a:spcPct val="0"/>
+              </a:spcAft>
+              <a:defRPr kumimoji="1">
+                <a:solidFill>
+                  <a:schemeClr val="tx1"/>
+                </a:solidFill>
+                <a:latin typeface="굴림" panose="020B0600000101010101" pitchFamily="50" charset="-127"/>
+                <a:ea typeface="굴림" panose="020B0600000101010101" pitchFamily="50" charset="-127"/>
+              </a:defRPr>
+            </a:lvl8pPr>
+            <a:lvl9pPr marL="3886200" indent="-228600" eaLnBrk="0" fontAlgn="base" hangingPunct="0">
+              <a:spcBef>
+                <a:spcPct val="0"/>
+              </a:spcBef>
+              <a:spcAft>
+                <a:spcPct val="0"/>
+              </a:spcAft>
+              <a:defRPr kumimoji="1">
+                <a:solidFill>
+                  <a:schemeClr val="tx1"/>
+                </a:solidFill>
+                <a:latin typeface="굴림" panose="020B0600000101010101" pitchFamily="50" charset="-127"/>
+                <a:ea typeface="굴림" panose="020B0600000101010101" pitchFamily="50" charset="-127"/>
+              </a:defRPr>
+            </a:lvl9pPr>
+          </a:lstStyle>
+          <a:p>
+            <a:pPr eaLnBrk="1" latinLnBrk="1" hangingPunct="1">
+              <a:spcBef>
+                <a:spcPct val="50000"/>
+              </a:spcBef>
+            </a:pPr>
+            <a:r>
+              <a:rPr lang="en-US" altLang="ko-KR" sz="2000" b="1" dirty="0"/>
+              <a:t>Exercise with the modified counter</a:t>
+            </a:r>
+          </a:p>
+        </p:txBody>
+      </p:sp>
+      <p:grpSp>
+        <p:nvGrpSpPr>
+          <p:cNvPr id="3" name="그룹 2">
+            <a:extLst>
+              <a:ext uri="{FF2B5EF4-FFF2-40B4-BE49-F238E27FC236}">
+                <a16:creationId xmlns:a16="http://schemas.microsoft.com/office/drawing/2014/main" id="{1E166BF9-3934-69C4-FC00-D90E4794FB83}"/>
+              </a:ext>
+            </a:extLst>
+          </p:cNvPr>
+          <p:cNvGrpSpPr/>
+          <p:nvPr/>
+        </p:nvGrpSpPr>
+        <p:grpSpPr>
+          <a:xfrm>
+            <a:off x="4932040" y="4149080"/>
+            <a:ext cx="3528392" cy="2160240"/>
+            <a:chOff x="3131840" y="1772816"/>
+            <a:chExt cx="3384372" cy="1971020"/>
+          </a:xfrm>
+        </p:grpSpPr>
+        <p:pic>
+          <p:nvPicPr>
+            <p:cNvPr id="4" name="Picture 9">
+              <a:extLst>
+                <a:ext uri="{FF2B5EF4-FFF2-40B4-BE49-F238E27FC236}">
+                  <a16:creationId xmlns:a16="http://schemas.microsoft.com/office/drawing/2014/main" id="{8E7F71BC-0C4F-9160-A0EE-1F26EC270066}"/>
+                </a:ext>
+              </a:extLst>
+            </p:cNvPr>
+            <p:cNvPicPr>
+              <a:picLocks noChangeAspect="1" noChangeArrowheads="1"/>
+            </p:cNvPicPr>
+            <p:nvPr/>
+          </p:nvPicPr>
+          <p:blipFill rotWithShape="1">
+            <a:blip r:embed="rId2">
+              <a:extLst>
+                <a:ext uri="{28A0092B-C50C-407E-A947-70E740481C1C}">
+                  <a14:useLocalDpi xmlns:a14="http://schemas.microsoft.com/office/drawing/2010/main" val="0"/>
+                </a:ext>
+              </a:extLst>
+            </a:blip>
+            <a:srcRect l="80898" t="33353" r="14429" b="57118"/>
+            <a:stretch/>
+          </p:blipFill>
+          <p:spPr bwMode="auto">
+            <a:xfrm>
+              <a:off x="6216757" y="1838517"/>
+              <a:ext cx="299455" cy="288029"/>
+            </a:xfrm>
+            <a:prstGeom prst="rect">
+              <a:avLst/>
+            </a:prstGeom>
+            <a:noFill/>
+            <a:ln>
+              <a:noFill/>
+            </a:ln>
+            <a:extLst>
+              <a:ext uri="{909E8E84-426E-40DD-AFC4-6F175D3DCCD1}">
+                <a14:hiddenFill xmlns:a14="http://schemas.microsoft.com/office/drawing/2010/main">
+                  <a:solidFill>
+                    <a:srgbClr val="FFFFFF"/>
+                  </a:solidFill>
+                </a14:hiddenFill>
+              </a:ext>
+              <a:ext uri="{91240B29-F687-4F45-9708-019B960494DF}">
+                <a14:hiddenLine xmlns:a14="http://schemas.microsoft.com/office/drawing/2010/main" w="9525">
+                  <a:solidFill>
+                    <a:srgbClr val="000000"/>
+                  </a:solidFill>
+                  <a:miter lim="800000"/>
+                  <a:headEnd/>
+                  <a:tailEnd/>
+                </a14:hiddenLine>
+              </a:ext>
+            </a:extLst>
+          </p:spPr>
+        </p:pic>
+        <p:pic>
+          <p:nvPicPr>
+            <p:cNvPr id="5" name="Picture 9">
+              <a:extLst>
+                <a:ext uri="{FF2B5EF4-FFF2-40B4-BE49-F238E27FC236}">
+                  <a16:creationId xmlns:a16="http://schemas.microsoft.com/office/drawing/2014/main" id="{C068FD1C-F916-0280-26FE-441E2BF776B4}"/>
+                </a:ext>
+              </a:extLst>
+            </p:cNvPr>
+            <p:cNvPicPr>
+              <a:picLocks noChangeAspect="1" noChangeArrowheads="1"/>
+            </p:cNvPicPr>
+            <p:nvPr/>
+          </p:nvPicPr>
+          <p:blipFill rotWithShape="1">
+            <a:blip r:embed="rId2">
+              <a:extLst>
+                <a:ext uri="{28A0092B-C50C-407E-A947-70E740481C1C}">
+                  <a14:useLocalDpi xmlns:a14="http://schemas.microsoft.com/office/drawing/2010/main" val="0"/>
+                </a:ext>
+              </a:extLst>
+            </a:blip>
+            <a:srcRect l="47191" t="33353" r="47191" b="57118"/>
+            <a:stretch/>
+          </p:blipFill>
+          <p:spPr bwMode="auto">
+            <a:xfrm>
+              <a:off x="5885288" y="1835679"/>
+              <a:ext cx="360036" cy="288029"/>
+            </a:xfrm>
+            <a:prstGeom prst="rect">
+              <a:avLst/>
+            </a:prstGeom>
+            <a:noFill/>
+            <a:ln>
+              <a:noFill/>
+            </a:ln>
+            <a:extLst>
+              <a:ext uri="{909E8E84-426E-40DD-AFC4-6F175D3DCCD1}">
+                <a14:hiddenFill xmlns:a14="http://schemas.microsoft.com/office/drawing/2010/main">
+                  <a:solidFill>
+                    <a:srgbClr val="FFFFFF"/>
+                  </a:solidFill>
+                </a14:hiddenFill>
+              </a:ext>
+              <a:ext uri="{91240B29-F687-4F45-9708-019B960494DF}">
+                <a14:hiddenLine xmlns:a14="http://schemas.microsoft.com/office/drawing/2010/main" w="9525">
+                  <a:solidFill>
+                    <a:srgbClr val="000000"/>
+                  </a:solidFill>
+                  <a:miter lim="800000"/>
+                  <a:headEnd/>
+                  <a:tailEnd/>
+                </a14:hiddenLine>
+              </a:ext>
+            </a:extLst>
+          </p:spPr>
+        </p:pic>
+        <p:pic>
+          <p:nvPicPr>
+            <p:cNvPr id="6" name="Picture 9">
+              <a:extLst>
+                <a:ext uri="{FF2B5EF4-FFF2-40B4-BE49-F238E27FC236}">
+                  <a16:creationId xmlns:a16="http://schemas.microsoft.com/office/drawing/2014/main" id="{C0C593E5-0141-2BEE-B957-8616F529DDB4}"/>
+                </a:ext>
+              </a:extLst>
+            </p:cNvPr>
+            <p:cNvPicPr>
+              <a:picLocks noChangeAspect="1" noChangeArrowheads="1"/>
+            </p:cNvPicPr>
+            <p:nvPr/>
+          </p:nvPicPr>
+          <p:blipFill rotWithShape="1">
+            <a:blip r:embed="rId2">
+              <a:extLst>
+                <a:ext uri="{28A0092B-C50C-407E-A947-70E740481C1C}">
+                  <a14:useLocalDpi xmlns:a14="http://schemas.microsoft.com/office/drawing/2010/main" val="0"/>
+                </a:ext>
+              </a:extLst>
+            </a:blip>
+            <a:srcRect l="13482" t="33357" r="80900" b="57114"/>
+            <a:stretch/>
+          </p:blipFill>
+          <p:spPr bwMode="auto">
+            <a:xfrm>
+              <a:off x="5564777" y="1826536"/>
+              <a:ext cx="360049" cy="288031"/>
+            </a:xfrm>
+            <a:prstGeom prst="rect">
+              <a:avLst/>
+            </a:prstGeom>
+            <a:noFill/>
+            <a:ln>
+              <a:noFill/>
+            </a:ln>
+            <a:extLst>
+              <a:ext uri="{909E8E84-426E-40DD-AFC4-6F175D3DCCD1}">
+                <a14:hiddenFill xmlns:a14="http://schemas.microsoft.com/office/drawing/2010/main">
+                  <a:solidFill>
+                    <a:srgbClr val="FFFFFF"/>
+                  </a:solidFill>
+                </a14:hiddenFill>
+              </a:ext>
+              <a:ext uri="{91240B29-F687-4F45-9708-019B960494DF}">
+                <a14:hiddenLine xmlns:a14="http://schemas.microsoft.com/office/drawing/2010/main" w="9525">
+                  <a:solidFill>
+                    <a:srgbClr val="000000"/>
+                  </a:solidFill>
+                  <a:miter lim="800000"/>
+                  <a:headEnd/>
+                  <a:tailEnd/>
+                </a14:hiddenLine>
+              </a:ext>
+            </a:extLst>
+          </p:spPr>
+        </p:pic>
+        <p:pic>
+          <p:nvPicPr>
+            <p:cNvPr id="7" name="그림 2">
+              <a:extLst>
+                <a:ext uri="{FF2B5EF4-FFF2-40B4-BE49-F238E27FC236}">
+                  <a16:creationId xmlns:a16="http://schemas.microsoft.com/office/drawing/2014/main" id="{AF08EA99-B9EC-6F20-BC0E-8C75A7B302DA}"/>
+                </a:ext>
+              </a:extLst>
+            </p:cNvPr>
+            <p:cNvPicPr>
+              <a:picLocks noChangeAspect="1"/>
+            </p:cNvPicPr>
+            <p:nvPr/>
+          </p:nvPicPr>
+          <p:blipFill>
+            <a:blip r:embed="rId3">
+              <a:extLst>
+                <a:ext uri="{28A0092B-C50C-407E-A947-70E740481C1C}">
+                  <a14:useLocalDpi xmlns:a14="http://schemas.microsoft.com/office/drawing/2010/main" val="0"/>
+                </a:ext>
+              </a:extLst>
+            </a:blip>
+            <a:srcRect/>
+            <a:stretch>
+              <a:fillRect/>
+            </a:stretch>
+          </p:blipFill>
+          <p:spPr bwMode="auto">
+            <a:xfrm>
+              <a:off x="3131840" y="1772816"/>
+              <a:ext cx="2354038" cy="1971020"/>
+            </a:xfrm>
+            <a:prstGeom prst="rect">
+              <a:avLst/>
+            </a:prstGeom>
+            <a:noFill/>
+            <a:ln>
+              <a:noFill/>
+            </a:ln>
+            <a:extLst>
+              <a:ext uri="{909E8E84-426E-40DD-AFC4-6F175D3DCCD1}">
+                <a14:hiddenFill xmlns:a14="http://schemas.microsoft.com/office/drawing/2010/main">
+                  <a:solidFill>
+                    <a:srgbClr val="FFFFFF"/>
+                  </a:solidFill>
+                </a14:hiddenFill>
+              </a:ext>
+              <a:ext uri="{91240B29-F687-4F45-9708-019B960494DF}">
+                <a14:hiddenLine xmlns:a14="http://schemas.microsoft.com/office/drawing/2010/main" w="9525">
+                  <a:solidFill>
+                    <a:srgbClr val="000000"/>
+                  </a:solidFill>
+                  <a:miter lim="800000"/>
+                  <a:headEnd/>
+                  <a:tailEnd/>
+                </a14:hiddenLine>
+              </a:ext>
+            </a:extLst>
+          </p:spPr>
+        </p:pic>
+        <p:cxnSp>
+          <p:nvCxnSpPr>
+            <p:cNvPr id="8" name="직선 연결선 7">
+              <a:extLst>
+                <a:ext uri="{FF2B5EF4-FFF2-40B4-BE49-F238E27FC236}">
+                  <a16:creationId xmlns:a16="http://schemas.microsoft.com/office/drawing/2014/main" id="{269E1FC3-61FC-E82F-1A61-497BBF89DD82}"/>
+                </a:ext>
+              </a:extLst>
+            </p:cNvPr>
+            <p:cNvCxnSpPr/>
+            <p:nvPr/>
+          </p:nvCxnSpPr>
+          <p:spPr>
+            <a:xfrm>
+              <a:off x="5485878" y="1916832"/>
+              <a:ext cx="0" cy="1800200"/>
+            </a:xfrm>
+            <a:prstGeom prst="line">
+              <a:avLst/>
+            </a:prstGeom>
+            <a:ln w="25400"/>
+          </p:spPr>
+          <p:style>
+            <a:lnRef idx="1">
+              <a:schemeClr val="accent1"/>
+            </a:lnRef>
+            <a:fillRef idx="0">
+              <a:schemeClr val="accent1"/>
+            </a:fillRef>
+            <a:effectRef idx="0">
+              <a:schemeClr val="accent1"/>
+            </a:effectRef>
+            <a:fontRef idx="minor">
+              <a:schemeClr val="tx1"/>
+            </a:fontRef>
+          </p:style>
+        </p:cxnSp>
+        <p:cxnSp>
+          <p:nvCxnSpPr>
+            <p:cNvPr id="9" name="직선 연결선 8">
+              <a:extLst>
+                <a:ext uri="{FF2B5EF4-FFF2-40B4-BE49-F238E27FC236}">
+                  <a16:creationId xmlns:a16="http://schemas.microsoft.com/office/drawing/2014/main" id="{BAAED83A-A2EB-61B8-93AA-7A1FBEDCC071}"/>
+                </a:ext>
+              </a:extLst>
+            </p:cNvPr>
+            <p:cNvCxnSpPr>
+              <a:cxnSpLocks/>
+            </p:cNvCxnSpPr>
+            <p:nvPr/>
+          </p:nvCxnSpPr>
+          <p:spPr>
+            <a:xfrm>
+              <a:off x="5508104" y="2087520"/>
+              <a:ext cx="949946" cy="0"/>
+            </a:xfrm>
+            <a:prstGeom prst="line">
+              <a:avLst/>
+            </a:prstGeom>
+            <a:ln w="25400"/>
+          </p:spPr>
+          <p:style>
+            <a:lnRef idx="1">
+              <a:schemeClr val="accent1"/>
+            </a:lnRef>
+            <a:fillRef idx="0">
+              <a:schemeClr val="accent1"/>
+            </a:fillRef>
+            <a:effectRef idx="0">
+              <a:schemeClr val="accent1"/>
+            </a:effectRef>
+            <a:fontRef idx="minor">
+              <a:schemeClr val="tx1"/>
+            </a:fontRef>
+          </p:style>
+        </p:cxnSp>
+      </p:grpSp>
+      <p:sp>
+        <p:nvSpPr>
+          <p:cNvPr id="10" name="사각형: 둥근 모서리 9">
+            <a:extLst>
+              <a:ext uri="{FF2B5EF4-FFF2-40B4-BE49-F238E27FC236}">
+                <a16:creationId xmlns:a16="http://schemas.microsoft.com/office/drawing/2014/main" id="{DEADC8BB-A52B-AF56-5F21-01C4B2B97FA2}"/>
+              </a:ext>
+            </a:extLst>
+          </p:cNvPr>
+          <p:cNvSpPr/>
+          <p:nvPr/>
+        </p:nvSpPr>
+        <p:spPr>
+          <a:xfrm>
+            <a:off x="6219040" y="4743432"/>
+            <a:ext cx="1008112" cy="216024"/>
+          </a:xfrm>
+          <a:prstGeom prst="roundRect">
+            <a:avLst/>
+          </a:prstGeom>
+          <a:noFill/>
+        </p:spPr>
+        <p:style>
+          <a:lnRef idx="2">
+            <a:schemeClr val="accent1">
+              <a:shade val="50000"/>
+            </a:schemeClr>
+          </a:lnRef>
+          <a:fillRef idx="1">
+            <a:schemeClr val="accent1"/>
+          </a:fillRef>
+          <a:effectRef idx="0">
+            <a:schemeClr val="accent1"/>
+          </a:effectRef>
+          <a:fontRef idx="minor">
+            <a:schemeClr val="lt1"/>
+          </a:fontRef>
+        </p:style>
+        <p:txBody>
+          <a:bodyPr rtlCol="0" anchor="ctr"/>
+          <a:lstStyle/>
+          <a:p>
+            <a:pPr algn="ctr"/>
+            <a:endParaRPr lang="ko-KR" altLang="en-US"/>
+          </a:p>
+        </p:txBody>
+      </p:sp>
+      <p:sp>
+        <p:nvSpPr>
+          <p:cNvPr id="12" name="TextBox 11">
+            <a:extLst>
+              <a:ext uri="{FF2B5EF4-FFF2-40B4-BE49-F238E27FC236}">
+                <a16:creationId xmlns:a16="http://schemas.microsoft.com/office/drawing/2014/main" id="{3AFA5F8D-9DBF-ED1B-3377-2101E0E1232F}"/>
+              </a:ext>
+            </a:extLst>
+          </p:cNvPr>
+          <p:cNvSpPr txBox="1"/>
+          <p:nvPr/>
+        </p:nvSpPr>
+        <p:spPr>
+          <a:xfrm>
+            <a:off x="6219040" y="4653136"/>
+            <a:ext cx="1075814" cy="369332"/>
+          </a:xfrm>
+          <a:prstGeom prst="rect">
+            <a:avLst/>
+          </a:prstGeom>
+          <a:noFill/>
+        </p:spPr>
+        <p:txBody>
+          <a:bodyPr wrap="square" rtlCol="0">
+            <a:spAutoFit/>
+          </a:bodyPr>
+          <a:lstStyle/>
+          <a:p>
+            <a:r>
+              <a:rPr lang="en-US" altLang="ko-KR" dirty="0">
+                <a:solidFill>
+                  <a:srgbClr val="FF0000"/>
+                </a:solidFill>
+              </a:rPr>
+              <a:t>1   1   1</a:t>
+            </a:r>
+            <a:endParaRPr lang="ko-KR" altLang="en-US" dirty="0">
+              <a:solidFill>
+                <a:srgbClr val="FF0000"/>
+              </a:solidFill>
+            </a:endParaRPr>
           </a:p>
         </p:txBody>
       </p:sp>
@@ -23593,8 +24227,8 @@
         </p:blipFill>
         <p:spPr bwMode="auto">
           <a:xfrm>
-            <a:off x="3563938" y="3124200"/>
-            <a:ext cx="4808537" cy="3257550"/>
+            <a:off x="4211960" y="4149080"/>
+            <a:ext cx="3185168" cy="2157796"/>
           </a:xfrm>
           <a:prstGeom prst="rect">
             <a:avLst/>
@@ -24036,8 +24670,8 @@
         </p:nvSpPr>
         <p:spPr bwMode="auto">
           <a:xfrm>
-            <a:off x="250825" y="1773238"/>
-            <a:ext cx="6346825" cy="366712"/>
+            <a:off x="250826" y="1773238"/>
+            <a:ext cx="5943600" cy="366712"/>
           </a:xfrm>
           <a:prstGeom prst="rect">
             <a:avLst/>
@@ -24062,7 +24696,7 @@
           </a:extLst>
         </p:spPr>
         <p:txBody>
-          <a:bodyPr>
+          <a:bodyPr wrap="square">
             <a:spAutoFit/>
           </a:bodyPr>
           <a:lstStyle>
@@ -24179,8 +24813,8 @@
               </a:spcBef>
             </a:pPr>
             <a:r>
-              <a:rPr lang="en-US" altLang="ko-KR" b="1"/>
-              <a:t>Following equations can be read from Figure 12-22(a):</a:t>
+              <a:rPr lang="en-US" altLang="ko-KR" b="1" dirty="0"/>
+              <a:t>Following equations can be read from Figure 12-22</a:t>
             </a:r>
           </a:p>
         </p:txBody>
@@ -24197,11 +24831,17 @@
           <p:cNvGraphicFramePr>
             <a:graphicFrameLocks noChangeAspect="1"/>
           </p:cNvGraphicFramePr>
-          <p:nvPr/>
+          <p:nvPr>
+            <p:extLst>
+              <p:ext uri="{D42A27DB-BD31-4B8C-83A1-F6EECF244321}">
+                <p14:modId xmlns:p14="http://schemas.microsoft.com/office/powerpoint/2010/main" val="875999052"/>
+              </p:ext>
+            </p:extLst>
+          </p:nvPr>
         </p:nvGraphicFramePr>
         <p:xfrm>
-          <a:off x="395288" y="2349500"/>
-          <a:ext cx="3489325" cy="1257300"/>
+          <a:off x="5824587" y="2494040"/>
+          <a:ext cx="2995885" cy="1079500"/>
         </p:xfrm>
         <a:graphic>
           <a:graphicData uri="http://schemas.openxmlformats.org/presentationml/2006/ole">
@@ -24237,8 +24877,8 @@
                     </p:blipFill>
                     <p:spPr bwMode="auto">
                       <a:xfrm>
-                        <a:off x="395288" y="2349500"/>
-                        <a:ext cx="3489325" cy="1257300"/>
+                        <a:off x="5824587" y="2494040"/>
+                        <a:ext cx="2995885" cy="1079500"/>
                       </a:xfrm>
                       <a:prstGeom prst="rect">
                         <a:avLst/>
@@ -24250,27 +24890,6 @@
                         <a:noFill/>
                       </a:ln>
                       <a:effectLst/>
-                      <a:extLst>
-                        <a:ext uri="{91240B29-F687-4F45-9708-019B960494DF}">
-                          <a14:hiddenLine xmlns:a14="http://schemas.microsoft.com/office/drawing/2010/main" w="9525">
-                            <a:solidFill>
-                              <a:srgbClr val="000000"/>
-                            </a:solidFill>
-                            <a:miter lim="800000"/>
-                            <a:headEnd/>
-                            <a:tailEnd/>
-                          </a14:hiddenLine>
-                        </a:ext>
-                        <a:ext uri="{AF507438-7753-43E0-B8FC-AC1667EBCBE1}">
-                          <a14:hiddenEffects xmlns:a14="http://schemas.microsoft.com/office/drawing/2010/main">
-                            <a:effectLst>
-                              <a:outerShdw dist="35921" dir="2700000" algn="ctr" rotWithShape="0">
-                                <a:srgbClr val="808080"/>
-                              </a:outerShdw>
-                            </a:effectLst>
-                          </a14:hiddenEffects>
-                        </a:ext>
-                      </a:extLst>
                     </p:spPr>
                   </p:pic>
                 </p:oleObj>
@@ -24279,12 +24898,127 @@
           </a:graphicData>
         </a:graphic>
       </p:graphicFrame>
+      <p:pic>
+        <p:nvPicPr>
+          <p:cNvPr id="2" name="Picture 7" descr="roth+f12-21">
+            <a:extLst>
+              <a:ext uri="{FF2B5EF4-FFF2-40B4-BE49-F238E27FC236}">
+                <a16:creationId xmlns:a16="http://schemas.microsoft.com/office/drawing/2014/main" id="{96150552-E292-5962-F62A-607F20329C32}"/>
+              </a:ext>
+            </a:extLst>
+          </p:cNvPr>
+          <p:cNvPicPr>
+            <a:picLocks noChangeAspect="1" noChangeArrowheads="1"/>
+          </p:cNvPicPr>
+          <p:nvPr/>
+        </p:nvPicPr>
+        <p:blipFill>
+          <a:blip r:embed="rId5">
+            <a:extLst>
+              <a:ext uri="{28A0092B-C50C-407E-A947-70E740481C1C}">
+                <a14:useLocalDpi xmlns:a14="http://schemas.microsoft.com/office/drawing/2010/main" val="0"/>
+              </a:ext>
+            </a:extLst>
+          </a:blip>
+          <a:srcRect/>
+          <a:stretch>
+            <a:fillRect/>
+          </a:stretch>
+        </p:blipFill>
+        <p:spPr bwMode="auto">
+          <a:xfrm>
+            <a:off x="467544" y="2531740"/>
+            <a:ext cx="1306041" cy="1257300"/>
+          </a:xfrm>
+          <a:prstGeom prst="rect">
+            <a:avLst/>
+          </a:prstGeom>
+          <a:noFill/>
+          <a:ln w="9525">
+            <a:solidFill>
+              <a:schemeClr val="bg1"/>
+            </a:solidFill>
+            <a:miter lim="800000"/>
+            <a:headEnd/>
+            <a:tailEnd/>
+          </a:ln>
+          <a:extLst>
+            <a:ext uri="{909E8E84-426E-40DD-AFC4-6F175D3DCCD1}">
+              <a14:hiddenFill xmlns:a14="http://schemas.microsoft.com/office/drawing/2010/main">
+                <a:solidFill>
+                  <a:srgbClr val="FFFFFF"/>
+                </a:solidFill>
+              </a14:hiddenFill>
+            </a:ext>
+          </a:extLst>
+        </p:spPr>
+      </p:pic>
+      <p:pic>
+        <p:nvPicPr>
+          <p:cNvPr id="3" name="그림 2">
+            <a:extLst>
+              <a:ext uri="{FF2B5EF4-FFF2-40B4-BE49-F238E27FC236}">
+                <a16:creationId xmlns:a16="http://schemas.microsoft.com/office/drawing/2014/main" id="{79A6B93C-71FB-1196-E4D7-E82B64C542C1}"/>
+              </a:ext>
+            </a:extLst>
+          </p:cNvPr>
+          <p:cNvPicPr>
+            <a:picLocks noChangeAspect="1"/>
+          </p:cNvPicPr>
+          <p:nvPr/>
+        </p:nvPicPr>
+        <p:blipFill>
+          <a:blip r:embed="rId6">
+            <a:extLst>
+              <a:ext uri="{28A0092B-C50C-407E-A947-70E740481C1C}">
+                <a14:useLocalDpi xmlns:a14="http://schemas.microsoft.com/office/drawing/2010/main" val="0"/>
+              </a:ext>
+            </a:extLst>
+          </a:blip>
+          <a:srcRect/>
+          <a:stretch>
+            <a:fillRect/>
+          </a:stretch>
+        </p:blipFill>
+        <p:spPr bwMode="auto">
+          <a:xfrm>
+            <a:off x="1945654" y="2311809"/>
+            <a:ext cx="2194298" cy="1837271"/>
+          </a:xfrm>
+          <a:prstGeom prst="rect">
+            <a:avLst/>
+          </a:prstGeom>
+          <a:noFill/>
+          <a:ln>
+            <a:noFill/>
+          </a:ln>
+          <a:extLst>
+            <a:ext uri="{909E8E84-426E-40DD-AFC4-6F175D3DCCD1}">
+              <a14:hiddenFill xmlns:a14="http://schemas.microsoft.com/office/drawing/2010/main">
+                <a:solidFill>
+                  <a:srgbClr val="FFFFFF"/>
+                </a:solidFill>
+              </a14:hiddenFill>
+            </a:ext>
+            <a:ext uri="{91240B29-F687-4F45-9708-019B960494DF}">
+              <a14:hiddenLine xmlns:a14="http://schemas.microsoft.com/office/drawing/2010/main" w="9525">
+                <a:solidFill>
+                  <a:srgbClr val="000000"/>
+                </a:solidFill>
+                <a:miter lim="800000"/>
+                <a:headEnd/>
+                <a:tailEnd/>
+              </a14:hiddenLine>
+            </a:ext>
+          </a:extLst>
+        </p:spPr>
+      </p:pic>
       <p:sp>
         <p:nvSpPr>
-          <p:cNvPr id="36872" name="Text Box 6">
+          <p:cNvPr id="4" name="Text Box 4">
             <a:extLst>
               <a:ext uri="{FF2B5EF4-FFF2-40B4-BE49-F238E27FC236}">
-                <a16:creationId xmlns:a16="http://schemas.microsoft.com/office/drawing/2014/main" id="{B04E3F43-5D02-42D8-8F6D-26833BC8DA54}"/>
+                <a16:creationId xmlns:a16="http://schemas.microsoft.com/office/drawing/2014/main" id="{0C4617AF-83F6-3A1F-E641-6F909EEC0004}"/>
               </a:ext>
             </a:extLst>
           </p:cNvPr>
@@ -24295,8 +25029,8 @@
         </p:nvSpPr>
         <p:spPr bwMode="auto">
           <a:xfrm>
-            <a:off x="250825" y="3860800"/>
-            <a:ext cx="2819400" cy="1200150"/>
+            <a:off x="250825" y="4581128"/>
+            <a:ext cx="3169047" cy="866840"/>
           </a:xfrm>
           <a:prstGeom prst="rect">
             <a:avLst/>
@@ -24321,11 +25055,11 @@
           </a:extLst>
         </p:spPr>
         <p:txBody>
-          <a:bodyPr>
+          <a:bodyPr wrap="square">
             <a:spAutoFit/>
           </a:bodyPr>
           <a:lstStyle>
-            <a:lvl1pPr>
+            <a:lvl1pPr marL="342900" indent="-342900">
               <a:defRPr kumimoji="1">
                 <a:solidFill>
                   <a:schemeClr val="tx1"/>
@@ -24432,37 +25166,87 @@
             </a:lvl9pPr>
           </a:lstStyle>
           <a:p>
-            <a:pPr eaLnBrk="1" latinLnBrk="1" hangingPunct="1">
+            <a:pPr marL="0" indent="0" eaLnBrk="1" latinLnBrk="1" hangingPunct="1">
+              <a:lnSpc>
+                <a:spcPct val="50000"/>
+              </a:lnSpc>
               <a:spcBef>
                 <a:spcPct val="50000"/>
               </a:spcBef>
             </a:pPr>
             <a:r>
-              <a:rPr lang="en-US" altLang="ko-KR" b="1"/>
+              <a:rPr lang="en-US" altLang="ko-KR" sz="2000" b="1" dirty="0"/>
               <a:t>Fig 12-27</a:t>
             </a:r>
           </a:p>
           <a:p>
-            <a:pPr eaLnBrk="1" latinLnBrk="1" hangingPunct="1">
+            <a:pPr marL="0" indent="0" eaLnBrk="1" latinLnBrk="1" hangingPunct="1">
+              <a:lnSpc>
+                <a:spcPct val="50000"/>
+              </a:lnSpc>
               <a:spcBef>
                 <a:spcPct val="50000"/>
               </a:spcBef>
             </a:pPr>
             <a:r>
-              <a:rPr lang="en-US" altLang="ko-KR" b="1"/>
+              <a:rPr lang="en-US" altLang="ko-KR" sz="2000" b="1" dirty="0"/>
               <a:t>Counter of Figure 12-22</a:t>
             </a:r>
           </a:p>
           <a:p>
-            <a:pPr eaLnBrk="1" latinLnBrk="1" hangingPunct="1">
+            <a:pPr marL="0" indent="0" eaLnBrk="1" latinLnBrk="1" hangingPunct="1">
+              <a:lnSpc>
+                <a:spcPct val="50000"/>
+              </a:lnSpc>
               <a:spcBef>
                 <a:spcPct val="50000"/>
               </a:spcBef>
             </a:pPr>
             <a:r>
-              <a:rPr lang="en-US" altLang="ko-KR" b="1"/>
-              <a:t>Using D Flip-Flops</a:t>
+              <a:rPr lang="en-US" altLang="ko-KR" sz="2000" b="1" dirty="0"/>
+              <a:t> using D Flip-Flops</a:t>
             </a:r>
+          </a:p>
+        </p:txBody>
+      </p:sp>
+      <p:sp>
+        <p:nvSpPr>
+          <p:cNvPr id="5" name="TextBox 4">
+            <a:extLst>
+              <a:ext uri="{FF2B5EF4-FFF2-40B4-BE49-F238E27FC236}">
+                <a16:creationId xmlns:a16="http://schemas.microsoft.com/office/drawing/2014/main" id="{E8665CBF-E1D8-B35F-E382-2C92180AACF9}"/>
+              </a:ext>
+            </a:extLst>
+          </p:cNvPr>
+          <p:cNvSpPr txBox="1"/>
+          <p:nvPr/>
+        </p:nvSpPr>
+        <p:spPr>
+          <a:xfrm>
+            <a:off x="4411168" y="2852936"/>
+            <a:ext cx="1096936" cy="369332"/>
+          </a:xfrm>
+          <a:prstGeom prst="rect">
+            <a:avLst/>
+          </a:prstGeom>
+          <a:noFill/>
+          <a:ln w="25400">
+            <a:solidFill>
+              <a:schemeClr val="accent1"/>
+            </a:solidFill>
+          </a:ln>
+        </p:spPr>
+        <p:txBody>
+          <a:bodyPr wrap="square" rtlCol="0">
+            <a:spAutoFit/>
+          </a:bodyPr>
+          <a:lstStyle/>
+          <a:p>
+            <a:r>
+              <a:rPr lang="en-US" altLang="ko-KR" dirty="0"/>
+              <a:t>K-maps</a:t>
+            </a:r>
+            <a:endParaRPr lang="ko-KR" altLang="en-US" dirty="0"/>
           </a:p>
         </p:txBody>
       </p:sp>
@@ -27528,8 +28312,8 @@
         </p:nvGrpSpPr>
         <p:grpSpPr bwMode="auto">
           <a:xfrm>
-            <a:off x="468313" y="1844675"/>
-            <a:ext cx="7210425" cy="4176713"/>
+            <a:off x="2628553" y="2132856"/>
+            <a:ext cx="5759871" cy="3096344"/>
             <a:chOff x="528" y="1392"/>
             <a:chExt cx="4224" cy="2256"/>
           </a:xfrm>
@@ -28010,6 +28794,61 @@
           </p:txBody>
         </p:sp>
       </p:grpSp>
+      <p:pic>
+        <p:nvPicPr>
+          <p:cNvPr id="2" name="Picture 7" descr="roth+f12-21">
+            <a:extLst>
+              <a:ext uri="{FF2B5EF4-FFF2-40B4-BE49-F238E27FC236}">
+                <a16:creationId xmlns:a16="http://schemas.microsoft.com/office/drawing/2014/main" id="{F73AFD42-BE1A-647E-AF6F-64DB38404EE8}"/>
+              </a:ext>
+            </a:extLst>
+          </p:cNvPr>
+          <p:cNvPicPr>
+            <a:picLocks noChangeAspect="1" noChangeArrowheads="1"/>
+          </p:cNvPicPr>
+          <p:nvPr/>
+        </p:nvPicPr>
+        <p:blipFill>
+          <a:blip r:embed="rId5">
+            <a:extLst>
+              <a:ext uri="{28A0092B-C50C-407E-A947-70E740481C1C}">
+                <a14:useLocalDpi xmlns:a14="http://schemas.microsoft.com/office/drawing/2010/main" val="0"/>
+              </a:ext>
+            </a:extLst>
+          </a:blip>
+          <a:srcRect/>
+          <a:stretch>
+            <a:fillRect/>
+          </a:stretch>
+        </p:blipFill>
+        <p:spPr bwMode="auto">
+          <a:xfrm>
+            <a:off x="467544" y="2531740"/>
+            <a:ext cx="1680038" cy="1617340"/>
+          </a:xfrm>
+          <a:prstGeom prst="rect">
+            <a:avLst/>
+          </a:prstGeom>
+          <a:noFill/>
+          <a:ln w="9525">
+            <a:solidFill>
+              <a:schemeClr val="bg1"/>
+            </a:solidFill>
+            <a:miter lim="800000"/>
+            <a:headEnd/>
+            <a:tailEnd/>
+          </a:ln>
+          <a:extLst>
+            <a:ext uri="{909E8E84-426E-40DD-AFC4-6F175D3DCCD1}">
+              <a14:hiddenFill xmlns:a14="http://schemas.microsoft.com/office/drawing/2010/main">
+                <a:solidFill>
+                  <a:srgbClr val="FFFFFF"/>
+                </a:solidFill>
+              </a14:hiddenFill>
+            </a:ext>
+          </a:extLst>
+        </p:spPr>
+      </p:pic>
     </p:spTree>
   </p:cSld>
   <p:clrMapOvr>
@@ -31187,466 +32026,481 @@
           </a:p>
         </p:txBody>
       </p:sp>
-      <p:graphicFrame>
-        <p:nvGraphicFramePr>
-          <p:cNvPr id="41988" name="Object 3">
+      <p:grpSp>
+        <p:nvGrpSpPr>
+          <p:cNvPr id="2" name="그룹 1">
             <a:extLst>
               <a:ext uri="{FF2B5EF4-FFF2-40B4-BE49-F238E27FC236}">
-                <a16:creationId xmlns:a16="http://schemas.microsoft.com/office/drawing/2014/main" id="{DCD2B978-3AA1-4792-A670-2C9ED94074A7}"/>
+                <a16:creationId xmlns:a16="http://schemas.microsoft.com/office/drawing/2014/main" id="{FB5EB364-18CB-90DC-E6AC-CB5CEEB31A9B}"/>
               </a:ext>
             </a:extLst>
           </p:cNvPr>
-          <p:cNvGraphicFramePr>
-            <a:graphicFrameLocks noChangeAspect="1"/>
-          </p:cNvGraphicFramePr>
+          <p:cNvGrpSpPr/>
           <p:nvPr/>
-        </p:nvGraphicFramePr>
-        <p:xfrm>
-          <a:off x="990600" y="1981200"/>
-          <a:ext cx="6324600" cy="3721100"/>
-        </p:xfrm>
-        <a:graphic>
-          <a:graphicData uri="http://schemas.openxmlformats.org/presentationml/2006/ole">
-            <mc:AlternateContent xmlns:mc="http://schemas.openxmlformats.org/markup-compatibility/2006">
-              <mc:Choice xmlns:v="urn:schemas-microsoft-com:vml" Requires="v">
-                <p:oleObj name="Equation" r:id="rId2" imgW="3454400" imgH="2032000" progId="Equation.3">
-                  <p:embed/>
-                </p:oleObj>
-              </mc:Choice>
-              <mc:Fallback>
-                <p:oleObj name="Equation" r:id="rId2" imgW="3454400" imgH="2032000" progId="Equation.3">
-                  <p:embed/>
-                  <p:pic>
-                    <p:nvPicPr>
-                      <p:cNvPr id="0" name="Object 3"/>
-                      <p:cNvPicPr>
-                        <a:picLocks noChangeAspect="1" noChangeArrowheads="1"/>
-                      </p:cNvPicPr>
-                      <p:nvPr/>
-                    </p:nvPicPr>
-                    <p:blipFill>
-                      <a:blip r:embed="rId3">
-                        <a:extLst>
-                          <a:ext uri="{28A0092B-C50C-407E-A947-70E740481C1C}">
-                            <a14:useLocalDpi xmlns:a14="http://schemas.microsoft.com/office/drawing/2010/main" val="0"/>
-                          </a:ext>
-                        </a:extLst>
-                      </a:blip>
-                      <a:srcRect/>
-                      <a:stretch>
-                        <a:fillRect/>
-                      </a:stretch>
-                    </p:blipFill>
-                    <p:spPr bwMode="auto">
-                      <a:xfrm>
-                        <a:off x="990600" y="1981200"/>
-                        <a:ext cx="6324600" cy="3721100"/>
-                      </a:xfrm>
-                      <a:prstGeom prst="rect">
-                        <a:avLst/>
-                      </a:prstGeom>
-                      <a:solidFill>
-                        <a:srgbClr val="EDF0AE"/>
-                      </a:solidFill>
-                      <a:ln>
-                        <a:noFill/>
-                      </a:ln>
-                      <a:extLst>
-                        <a:ext uri="{91240B29-F687-4F45-9708-019B960494DF}">
-                          <a14:hiddenLine xmlns:a14="http://schemas.microsoft.com/office/drawing/2010/main" w="9525">
-                            <a:solidFill>
-                              <a:srgbClr val="000000"/>
-                            </a:solidFill>
-                            <a:miter lim="800000"/>
-                            <a:headEnd/>
-                            <a:tailEnd/>
-                          </a14:hiddenLine>
-                        </a:ext>
-                      </a:extLst>
-                    </p:spPr>
-                  </p:pic>
-                </p:oleObj>
-              </mc:Fallback>
-            </mc:AlternateContent>
-          </a:graphicData>
-        </a:graphic>
-      </p:graphicFrame>
-      <p:sp>
-        <p:nvSpPr>
-          <p:cNvPr id="41989" name="Line 4">
+        </p:nvGrpSpPr>
+        <p:grpSpPr>
+          <a:xfrm>
+            <a:off x="2422376" y="1981200"/>
+            <a:ext cx="6254080" cy="3749675"/>
+            <a:chOff x="838200" y="1981200"/>
+            <a:chExt cx="6477000" cy="3810000"/>
+          </a:xfrm>
+        </p:grpSpPr>
+        <p:graphicFrame>
+          <p:nvGraphicFramePr>
+            <p:cNvPr id="41988" name="Object 3">
+              <a:extLst>
+                <a:ext uri="{FF2B5EF4-FFF2-40B4-BE49-F238E27FC236}">
+                  <a16:creationId xmlns:a16="http://schemas.microsoft.com/office/drawing/2014/main" id="{DCD2B978-3AA1-4792-A670-2C9ED94074A7}"/>
+                </a:ext>
+              </a:extLst>
+            </p:cNvPr>
+            <p:cNvGraphicFramePr>
+              <a:graphicFrameLocks noChangeAspect="1"/>
+            </p:cNvGraphicFramePr>
+            <p:nvPr>
+              <p:extLst>
+                <p:ext uri="{D42A27DB-BD31-4B8C-83A1-F6EECF244321}">
+                  <p14:modId xmlns:p14="http://schemas.microsoft.com/office/powerpoint/2010/main" val="1175244154"/>
+                </p:ext>
+              </p:extLst>
+            </p:nvPr>
+          </p:nvGraphicFramePr>
+          <p:xfrm>
+            <a:off x="990600" y="1981200"/>
+            <a:ext cx="6324600" cy="3721100"/>
+          </p:xfrm>
+          <a:graphic>
+            <a:graphicData uri="http://schemas.openxmlformats.org/presentationml/2006/ole">
+              <mc:AlternateContent xmlns:mc="http://schemas.openxmlformats.org/markup-compatibility/2006">
+                <mc:Choice xmlns:v="urn:schemas-microsoft-com:vml" Requires="v">
+                  <p:oleObj name="Equation" r:id="rId2" imgW="3454400" imgH="2032000" progId="Equation.3">
+                    <p:embed/>
+                  </p:oleObj>
+                </mc:Choice>
+                <mc:Fallback>
+                  <p:oleObj name="Equation" r:id="rId2" imgW="3454400" imgH="2032000" progId="Equation.3">
+                    <p:embed/>
+                    <p:pic>
+                      <p:nvPicPr>
+                        <p:cNvPr id="0" name="Object 3"/>
+                        <p:cNvPicPr>
+                          <a:picLocks noChangeAspect="1" noChangeArrowheads="1"/>
+                        </p:cNvPicPr>
+                        <p:nvPr/>
+                      </p:nvPicPr>
+                      <p:blipFill>
+                        <a:blip r:embed="rId3">
+                          <a:extLst>
+                            <a:ext uri="{28A0092B-C50C-407E-A947-70E740481C1C}">
+                              <a14:useLocalDpi xmlns:a14="http://schemas.microsoft.com/office/drawing/2010/main" val="0"/>
+                            </a:ext>
+                          </a:extLst>
+                        </a:blip>
+                        <a:srcRect/>
+                        <a:stretch>
+                          <a:fillRect/>
+                        </a:stretch>
+                      </p:blipFill>
+                      <p:spPr bwMode="auto">
+                        <a:xfrm>
+                          <a:off x="990600" y="1981200"/>
+                          <a:ext cx="6324600" cy="3721100"/>
+                        </a:xfrm>
+                        <a:prstGeom prst="rect">
+                          <a:avLst/>
+                        </a:prstGeom>
+                        <a:solidFill>
+                          <a:srgbClr val="EDF0AE"/>
+                        </a:solidFill>
+                        <a:ln>
+                          <a:noFill/>
+                        </a:ln>
+                      </p:spPr>
+                    </p:pic>
+                  </p:oleObj>
+                </mc:Fallback>
+              </mc:AlternateContent>
+            </a:graphicData>
+          </a:graphic>
+        </p:graphicFrame>
+        <p:sp>
+          <p:nvSpPr>
+            <p:cNvPr id="41989" name="Line 4">
+              <a:extLst>
+                <a:ext uri="{FF2B5EF4-FFF2-40B4-BE49-F238E27FC236}">
+                  <a16:creationId xmlns:a16="http://schemas.microsoft.com/office/drawing/2014/main" id="{E4366789-F9F9-4B87-AFE2-BE8D7E43379C}"/>
+                </a:ext>
+              </a:extLst>
+            </p:cNvPr>
+            <p:cNvSpPr>
+              <a:spLocks noChangeShapeType="1"/>
+            </p:cNvSpPr>
+            <p:nvPr/>
+          </p:nvSpPr>
+          <p:spPr bwMode="auto">
+            <a:xfrm>
+              <a:off x="838200" y="2438400"/>
+              <a:ext cx="6477000" cy="0"/>
+            </a:xfrm>
+            <a:prstGeom prst="line">
+              <a:avLst/>
+            </a:prstGeom>
+            <a:noFill/>
+            <a:ln w="9525">
+              <a:solidFill>
+                <a:schemeClr val="tx1"/>
+              </a:solidFill>
+              <a:round/>
+              <a:headEnd/>
+              <a:tailEnd/>
+            </a:ln>
             <a:extLst>
-              <a:ext uri="{FF2B5EF4-FFF2-40B4-BE49-F238E27FC236}">
-                <a16:creationId xmlns:a16="http://schemas.microsoft.com/office/drawing/2014/main" id="{E4366789-F9F9-4B87-AFE2-BE8D7E43379C}"/>
+              <a:ext uri="{909E8E84-426E-40DD-AFC4-6F175D3DCCD1}">
+                <a14:hiddenFill xmlns:a14="http://schemas.microsoft.com/office/drawing/2010/main">
+                  <a:noFill/>
+                </a14:hiddenFill>
               </a:ext>
             </a:extLst>
-          </p:cNvPr>
-          <p:cNvSpPr>
-            <a:spLocks noChangeShapeType="1"/>
-          </p:cNvSpPr>
-          <p:nvPr/>
-        </p:nvSpPr>
-        <p:spPr bwMode="auto">
-          <a:xfrm>
-            <a:off x="838200" y="2438400"/>
-            <a:ext cx="6477000" cy="0"/>
-          </a:xfrm>
-          <a:prstGeom prst="line">
-            <a:avLst/>
-          </a:prstGeom>
-          <a:noFill/>
-          <a:ln w="9525">
-            <a:solidFill>
-              <a:schemeClr val="tx1"/>
-            </a:solidFill>
-            <a:round/>
-            <a:headEnd/>
-            <a:tailEnd/>
-          </a:ln>
-          <a:extLst>
-            <a:ext uri="{909E8E84-426E-40DD-AFC4-6F175D3DCCD1}">
-              <a14:hiddenFill xmlns:a14="http://schemas.microsoft.com/office/drawing/2010/main">
-                <a:noFill/>
-              </a14:hiddenFill>
-            </a:ext>
-          </a:extLst>
-        </p:spPr>
-        <p:txBody>
-          <a:bodyPr/>
-          <a:lstStyle/>
-          <a:p>
-            <a:endParaRPr lang="ko-KR" altLang="en-US"/>
-          </a:p>
-        </p:txBody>
-      </p:sp>
-      <p:sp>
-        <p:nvSpPr>
-          <p:cNvPr id="41990" name="Line 5">
+          </p:spPr>
+          <p:txBody>
+            <a:bodyPr/>
+            <a:lstStyle/>
+            <a:p>
+              <a:endParaRPr lang="ko-KR" altLang="en-US"/>
+            </a:p>
+          </p:txBody>
+        </p:sp>
+        <p:sp>
+          <p:nvSpPr>
+            <p:cNvPr id="41990" name="Line 5">
+              <a:extLst>
+                <a:ext uri="{FF2B5EF4-FFF2-40B4-BE49-F238E27FC236}">
+                  <a16:creationId xmlns:a16="http://schemas.microsoft.com/office/drawing/2014/main" id="{BD4DD2F0-1019-483C-A3AC-65617F431F61}"/>
+                </a:ext>
+              </a:extLst>
+            </p:cNvPr>
+            <p:cNvSpPr>
+              <a:spLocks noChangeShapeType="1"/>
+            </p:cNvSpPr>
+            <p:nvPr/>
+          </p:nvSpPr>
+          <p:spPr bwMode="auto">
+            <a:xfrm>
+              <a:off x="2286000" y="2057400"/>
+              <a:ext cx="0" cy="3657600"/>
+            </a:xfrm>
+            <a:prstGeom prst="line">
+              <a:avLst/>
+            </a:prstGeom>
+            <a:noFill/>
+            <a:ln w="9525">
+              <a:solidFill>
+                <a:schemeClr val="tx1"/>
+              </a:solidFill>
+              <a:round/>
+              <a:headEnd/>
+              <a:tailEnd/>
+            </a:ln>
             <a:extLst>
-              <a:ext uri="{FF2B5EF4-FFF2-40B4-BE49-F238E27FC236}">
-                <a16:creationId xmlns:a16="http://schemas.microsoft.com/office/drawing/2014/main" id="{BD4DD2F0-1019-483C-A3AC-65617F431F61}"/>
+              <a:ext uri="{909E8E84-426E-40DD-AFC4-6F175D3DCCD1}">
+                <a14:hiddenFill xmlns:a14="http://schemas.microsoft.com/office/drawing/2010/main">
+                  <a:noFill/>
+                </a14:hiddenFill>
               </a:ext>
             </a:extLst>
-          </p:cNvPr>
-          <p:cNvSpPr>
-            <a:spLocks noChangeShapeType="1"/>
-          </p:cNvSpPr>
-          <p:nvPr/>
-        </p:nvSpPr>
-        <p:spPr bwMode="auto">
-          <a:xfrm>
-            <a:off x="2286000" y="2057400"/>
-            <a:ext cx="0" cy="3657600"/>
-          </a:xfrm>
-          <a:prstGeom prst="line">
-            <a:avLst/>
-          </a:prstGeom>
-          <a:noFill/>
-          <a:ln w="9525">
-            <a:solidFill>
-              <a:schemeClr val="tx1"/>
-            </a:solidFill>
-            <a:round/>
-            <a:headEnd/>
-            <a:tailEnd/>
-          </a:ln>
-          <a:extLst>
-            <a:ext uri="{909E8E84-426E-40DD-AFC4-6F175D3DCCD1}">
-              <a14:hiddenFill xmlns:a14="http://schemas.microsoft.com/office/drawing/2010/main">
-                <a:noFill/>
-              </a14:hiddenFill>
-            </a:ext>
-          </a:extLst>
-        </p:spPr>
-        <p:txBody>
-          <a:bodyPr/>
-          <a:lstStyle/>
-          <a:p>
-            <a:endParaRPr lang="ko-KR" altLang="en-US"/>
-          </a:p>
-        </p:txBody>
-      </p:sp>
-      <p:sp>
-        <p:nvSpPr>
-          <p:cNvPr id="41991" name="Line 6">
+          </p:spPr>
+          <p:txBody>
+            <a:bodyPr/>
+            <a:lstStyle/>
+            <a:p>
+              <a:endParaRPr lang="ko-KR" altLang="en-US"/>
+            </a:p>
+          </p:txBody>
+        </p:sp>
+        <p:sp>
+          <p:nvSpPr>
+            <p:cNvPr id="41991" name="Line 6">
+              <a:extLst>
+                <a:ext uri="{FF2B5EF4-FFF2-40B4-BE49-F238E27FC236}">
+                  <a16:creationId xmlns:a16="http://schemas.microsoft.com/office/drawing/2014/main" id="{C65E873D-16AB-45EB-A5B5-FA7BF65F848D}"/>
+                </a:ext>
+              </a:extLst>
+            </p:cNvPr>
+            <p:cNvSpPr>
+              <a:spLocks noChangeShapeType="1"/>
+            </p:cNvSpPr>
+            <p:nvPr/>
+          </p:nvSpPr>
+          <p:spPr bwMode="auto">
+            <a:xfrm>
+              <a:off x="4038600" y="2133600"/>
+              <a:ext cx="0" cy="3657600"/>
+            </a:xfrm>
+            <a:prstGeom prst="line">
+              <a:avLst/>
+            </a:prstGeom>
+            <a:noFill/>
+            <a:ln w="38100" cmpd="dbl">
+              <a:solidFill>
+                <a:schemeClr val="tx1"/>
+              </a:solidFill>
+              <a:round/>
+              <a:headEnd/>
+              <a:tailEnd/>
+            </a:ln>
             <a:extLst>
-              <a:ext uri="{FF2B5EF4-FFF2-40B4-BE49-F238E27FC236}">
-                <a16:creationId xmlns:a16="http://schemas.microsoft.com/office/drawing/2014/main" id="{C65E873D-16AB-45EB-A5B5-FA7BF65F848D}"/>
+              <a:ext uri="{909E8E84-426E-40DD-AFC4-6F175D3DCCD1}">
+                <a14:hiddenFill xmlns:a14="http://schemas.microsoft.com/office/drawing/2010/main">
+                  <a:noFill/>
+                </a14:hiddenFill>
               </a:ext>
             </a:extLst>
-          </p:cNvPr>
-          <p:cNvSpPr>
-            <a:spLocks noChangeShapeType="1"/>
-          </p:cNvSpPr>
-          <p:nvPr/>
-        </p:nvSpPr>
-        <p:spPr bwMode="auto">
-          <a:xfrm>
-            <a:off x="4038600" y="2133600"/>
-            <a:ext cx="0" cy="3657600"/>
-          </a:xfrm>
-          <a:prstGeom prst="line">
-            <a:avLst/>
-          </a:prstGeom>
-          <a:noFill/>
-          <a:ln w="38100" cmpd="dbl">
-            <a:solidFill>
-              <a:schemeClr val="tx1"/>
-            </a:solidFill>
-            <a:round/>
-            <a:headEnd/>
-            <a:tailEnd/>
-          </a:ln>
-          <a:extLst>
-            <a:ext uri="{909E8E84-426E-40DD-AFC4-6F175D3DCCD1}">
-              <a14:hiddenFill xmlns:a14="http://schemas.microsoft.com/office/drawing/2010/main">
-                <a:noFill/>
-              </a14:hiddenFill>
-            </a:ext>
-          </a:extLst>
-        </p:spPr>
-        <p:txBody>
-          <a:bodyPr/>
-          <a:lstStyle/>
-          <a:p>
-            <a:endParaRPr lang="ko-KR" altLang="en-US"/>
-          </a:p>
-        </p:txBody>
-      </p:sp>
-      <p:sp>
-        <p:nvSpPr>
-          <p:cNvPr id="41992" name="Line 7">
+          </p:spPr>
+          <p:txBody>
+            <a:bodyPr/>
+            <a:lstStyle/>
+            <a:p>
+              <a:endParaRPr lang="ko-KR" altLang="en-US"/>
+            </a:p>
+          </p:txBody>
+        </p:sp>
+        <p:sp>
+          <p:nvSpPr>
+            <p:cNvPr id="41992" name="Line 7">
+              <a:extLst>
+                <a:ext uri="{FF2B5EF4-FFF2-40B4-BE49-F238E27FC236}">
+                  <a16:creationId xmlns:a16="http://schemas.microsoft.com/office/drawing/2014/main" id="{542B269D-0DAD-4EAC-B3FD-041B0D82D520}"/>
+                </a:ext>
+              </a:extLst>
+            </p:cNvPr>
+            <p:cNvSpPr>
+              <a:spLocks noChangeShapeType="1"/>
+            </p:cNvSpPr>
+            <p:nvPr/>
+          </p:nvSpPr>
+          <p:spPr bwMode="auto">
+            <a:xfrm>
+              <a:off x="5181600" y="2133600"/>
+              <a:ext cx="0" cy="3657600"/>
+            </a:xfrm>
+            <a:prstGeom prst="line">
+              <a:avLst/>
+            </a:prstGeom>
+            <a:noFill/>
+            <a:ln w="9525">
+              <a:solidFill>
+                <a:schemeClr val="tx1"/>
+              </a:solidFill>
+              <a:round/>
+              <a:headEnd/>
+              <a:tailEnd/>
+            </a:ln>
             <a:extLst>
-              <a:ext uri="{FF2B5EF4-FFF2-40B4-BE49-F238E27FC236}">
-                <a16:creationId xmlns:a16="http://schemas.microsoft.com/office/drawing/2014/main" id="{542B269D-0DAD-4EAC-B3FD-041B0D82D520}"/>
+              <a:ext uri="{909E8E84-426E-40DD-AFC4-6F175D3DCCD1}">
+                <a14:hiddenFill xmlns:a14="http://schemas.microsoft.com/office/drawing/2010/main">
+                  <a:noFill/>
+                </a14:hiddenFill>
               </a:ext>
             </a:extLst>
-          </p:cNvPr>
-          <p:cNvSpPr>
-            <a:spLocks noChangeShapeType="1"/>
-          </p:cNvSpPr>
-          <p:nvPr/>
-        </p:nvSpPr>
-        <p:spPr bwMode="auto">
-          <a:xfrm>
-            <a:off x="5181600" y="2133600"/>
-            <a:ext cx="0" cy="3657600"/>
-          </a:xfrm>
-          <a:prstGeom prst="line">
-            <a:avLst/>
-          </a:prstGeom>
-          <a:noFill/>
-          <a:ln w="9525">
-            <a:solidFill>
-              <a:schemeClr val="tx1"/>
-            </a:solidFill>
-            <a:round/>
-            <a:headEnd/>
-            <a:tailEnd/>
-          </a:ln>
-          <a:extLst>
-            <a:ext uri="{909E8E84-426E-40DD-AFC4-6F175D3DCCD1}">
-              <a14:hiddenFill xmlns:a14="http://schemas.microsoft.com/office/drawing/2010/main">
-                <a:noFill/>
-              </a14:hiddenFill>
-            </a:ext>
-          </a:extLst>
-        </p:spPr>
-        <p:txBody>
-          <a:bodyPr/>
-          <a:lstStyle/>
-          <a:p>
-            <a:endParaRPr lang="ko-KR" altLang="en-US"/>
-          </a:p>
-        </p:txBody>
-      </p:sp>
-      <p:sp>
-        <p:nvSpPr>
-          <p:cNvPr id="41993" name="Line 8">
+          </p:spPr>
+          <p:txBody>
+            <a:bodyPr/>
+            <a:lstStyle/>
+            <a:p>
+              <a:endParaRPr lang="ko-KR" altLang="en-US"/>
+            </a:p>
+          </p:txBody>
+        </p:sp>
+        <p:sp>
+          <p:nvSpPr>
+            <p:cNvPr id="41993" name="Line 8">
+              <a:extLst>
+                <a:ext uri="{FF2B5EF4-FFF2-40B4-BE49-F238E27FC236}">
+                  <a16:creationId xmlns:a16="http://schemas.microsoft.com/office/drawing/2014/main" id="{4A0A37A4-F367-4FDD-878A-E5FCD0FCEE7E}"/>
+                </a:ext>
+              </a:extLst>
+            </p:cNvPr>
+            <p:cNvSpPr>
+              <a:spLocks noChangeShapeType="1"/>
+            </p:cNvSpPr>
+            <p:nvPr/>
+          </p:nvSpPr>
+          <p:spPr bwMode="auto">
+            <a:xfrm>
+              <a:off x="6248400" y="2133600"/>
+              <a:ext cx="0" cy="3657600"/>
+            </a:xfrm>
+            <a:prstGeom prst="line">
+              <a:avLst/>
+            </a:prstGeom>
+            <a:noFill/>
+            <a:ln w="9525">
+              <a:solidFill>
+                <a:schemeClr val="tx1"/>
+              </a:solidFill>
+              <a:round/>
+              <a:headEnd/>
+              <a:tailEnd/>
+            </a:ln>
             <a:extLst>
-              <a:ext uri="{FF2B5EF4-FFF2-40B4-BE49-F238E27FC236}">
-                <a16:creationId xmlns:a16="http://schemas.microsoft.com/office/drawing/2014/main" id="{4A0A37A4-F367-4FDD-878A-E5FCD0FCEE7E}"/>
+              <a:ext uri="{909E8E84-426E-40DD-AFC4-6F175D3DCCD1}">
+                <a14:hiddenFill xmlns:a14="http://schemas.microsoft.com/office/drawing/2010/main">
+                  <a:noFill/>
+                </a14:hiddenFill>
               </a:ext>
             </a:extLst>
-          </p:cNvPr>
-          <p:cNvSpPr>
-            <a:spLocks noChangeShapeType="1"/>
-          </p:cNvSpPr>
-          <p:nvPr/>
-        </p:nvSpPr>
-        <p:spPr bwMode="auto">
-          <a:xfrm>
-            <a:off x="6248400" y="2133600"/>
-            <a:ext cx="0" cy="3657600"/>
-          </a:xfrm>
-          <a:prstGeom prst="line">
-            <a:avLst/>
-          </a:prstGeom>
-          <a:noFill/>
-          <a:ln w="9525">
-            <a:solidFill>
-              <a:schemeClr val="tx1"/>
-            </a:solidFill>
-            <a:round/>
-            <a:headEnd/>
-            <a:tailEnd/>
-          </a:ln>
-          <a:extLst>
-            <a:ext uri="{909E8E84-426E-40DD-AFC4-6F175D3DCCD1}">
-              <a14:hiddenFill xmlns:a14="http://schemas.microsoft.com/office/drawing/2010/main">
-                <a:noFill/>
-              </a14:hiddenFill>
-            </a:ext>
-          </a:extLst>
-        </p:spPr>
-        <p:txBody>
-          <a:bodyPr/>
-          <a:lstStyle/>
-          <a:p>
-            <a:endParaRPr lang="ko-KR" altLang="en-US"/>
-          </a:p>
-        </p:txBody>
-      </p:sp>
-      <p:sp>
-        <p:nvSpPr>
-          <p:cNvPr id="41994" name="Line 10">
+          </p:spPr>
+          <p:txBody>
+            <a:bodyPr/>
+            <a:lstStyle/>
+            <a:p>
+              <a:endParaRPr lang="ko-KR" altLang="en-US"/>
+            </a:p>
+          </p:txBody>
+        </p:sp>
+        <p:sp>
+          <p:nvSpPr>
+            <p:cNvPr id="41994" name="Line 10">
+              <a:extLst>
+                <a:ext uri="{FF2B5EF4-FFF2-40B4-BE49-F238E27FC236}">
+                  <a16:creationId xmlns:a16="http://schemas.microsoft.com/office/drawing/2014/main" id="{F3879FE8-43A0-4553-B2A6-1C7C8A2A498F}"/>
+                </a:ext>
+              </a:extLst>
+            </p:cNvPr>
+            <p:cNvSpPr>
+              <a:spLocks noChangeShapeType="1"/>
+            </p:cNvSpPr>
+            <p:nvPr/>
+          </p:nvSpPr>
+          <p:spPr bwMode="auto">
+            <a:xfrm>
+              <a:off x="4648200" y="2438400"/>
+              <a:ext cx="0" cy="3352800"/>
+            </a:xfrm>
+            <a:prstGeom prst="line">
+              <a:avLst/>
+            </a:prstGeom>
+            <a:noFill/>
+            <a:ln w="9525">
+              <a:solidFill>
+                <a:schemeClr val="tx1"/>
+              </a:solidFill>
+              <a:round/>
+              <a:headEnd/>
+              <a:tailEnd/>
+            </a:ln>
             <a:extLst>
-              <a:ext uri="{FF2B5EF4-FFF2-40B4-BE49-F238E27FC236}">
-                <a16:creationId xmlns:a16="http://schemas.microsoft.com/office/drawing/2014/main" id="{F3879FE8-43A0-4553-B2A6-1C7C8A2A498F}"/>
+              <a:ext uri="{909E8E84-426E-40DD-AFC4-6F175D3DCCD1}">
+                <a14:hiddenFill xmlns:a14="http://schemas.microsoft.com/office/drawing/2010/main">
+                  <a:noFill/>
+                </a14:hiddenFill>
               </a:ext>
             </a:extLst>
-          </p:cNvPr>
-          <p:cNvSpPr>
-            <a:spLocks noChangeShapeType="1"/>
-          </p:cNvSpPr>
-          <p:nvPr/>
-        </p:nvSpPr>
-        <p:spPr bwMode="auto">
-          <a:xfrm>
-            <a:off x="4648200" y="2438400"/>
-            <a:ext cx="0" cy="3352800"/>
-          </a:xfrm>
-          <a:prstGeom prst="line">
-            <a:avLst/>
-          </a:prstGeom>
-          <a:noFill/>
-          <a:ln w="9525">
-            <a:solidFill>
-              <a:schemeClr val="tx1"/>
-            </a:solidFill>
-            <a:round/>
-            <a:headEnd/>
-            <a:tailEnd/>
-          </a:ln>
-          <a:extLst>
-            <a:ext uri="{909E8E84-426E-40DD-AFC4-6F175D3DCCD1}">
-              <a14:hiddenFill xmlns:a14="http://schemas.microsoft.com/office/drawing/2010/main">
-                <a:noFill/>
-              </a14:hiddenFill>
-            </a:ext>
-          </a:extLst>
-        </p:spPr>
-        <p:txBody>
-          <a:bodyPr/>
-          <a:lstStyle/>
-          <a:p>
-            <a:endParaRPr lang="ko-KR" altLang="en-US"/>
-          </a:p>
-        </p:txBody>
-      </p:sp>
-      <p:sp>
-        <p:nvSpPr>
-          <p:cNvPr id="41995" name="Line 11">
+          </p:spPr>
+          <p:txBody>
+            <a:bodyPr/>
+            <a:lstStyle/>
+            <a:p>
+              <a:endParaRPr lang="ko-KR" altLang="en-US"/>
+            </a:p>
+          </p:txBody>
+        </p:sp>
+        <p:sp>
+          <p:nvSpPr>
+            <p:cNvPr id="41995" name="Line 11">
+              <a:extLst>
+                <a:ext uri="{FF2B5EF4-FFF2-40B4-BE49-F238E27FC236}">
+                  <a16:creationId xmlns:a16="http://schemas.microsoft.com/office/drawing/2014/main" id="{273EAB1E-0D57-46F7-A0E7-CDDAE0177366}"/>
+                </a:ext>
+              </a:extLst>
+            </p:cNvPr>
+            <p:cNvSpPr>
+              <a:spLocks noChangeShapeType="1"/>
+            </p:cNvSpPr>
+            <p:nvPr/>
+          </p:nvSpPr>
+          <p:spPr bwMode="auto">
+            <a:xfrm>
+              <a:off x="5715000" y="2438400"/>
+              <a:ext cx="0" cy="3352800"/>
+            </a:xfrm>
+            <a:prstGeom prst="line">
+              <a:avLst/>
+            </a:prstGeom>
+            <a:noFill/>
+            <a:ln w="9525">
+              <a:solidFill>
+                <a:schemeClr val="tx1"/>
+              </a:solidFill>
+              <a:round/>
+              <a:headEnd/>
+              <a:tailEnd/>
+            </a:ln>
             <a:extLst>
-              <a:ext uri="{FF2B5EF4-FFF2-40B4-BE49-F238E27FC236}">
-                <a16:creationId xmlns:a16="http://schemas.microsoft.com/office/drawing/2014/main" id="{273EAB1E-0D57-46F7-A0E7-CDDAE0177366}"/>
+              <a:ext uri="{909E8E84-426E-40DD-AFC4-6F175D3DCCD1}">
+                <a14:hiddenFill xmlns:a14="http://schemas.microsoft.com/office/drawing/2010/main">
+                  <a:noFill/>
+                </a14:hiddenFill>
               </a:ext>
             </a:extLst>
-          </p:cNvPr>
-          <p:cNvSpPr>
-            <a:spLocks noChangeShapeType="1"/>
-          </p:cNvSpPr>
-          <p:nvPr/>
-        </p:nvSpPr>
-        <p:spPr bwMode="auto">
-          <a:xfrm>
-            <a:off x="5715000" y="2438400"/>
-            <a:ext cx="0" cy="3352800"/>
-          </a:xfrm>
-          <a:prstGeom prst="line">
-            <a:avLst/>
-          </a:prstGeom>
-          <a:noFill/>
-          <a:ln w="9525">
-            <a:solidFill>
-              <a:schemeClr val="tx1"/>
-            </a:solidFill>
-            <a:round/>
-            <a:headEnd/>
-            <a:tailEnd/>
-          </a:ln>
-          <a:extLst>
-            <a:ext uri="{909E8E84-426E-40DD-AFC4-6F175D3DCCD1}">
-              <a14:hiddenFill xmlns:a14="http://schemas.microsoft.com/office/drawing/2010/main">
-                <a:noFill/>
-              </a14:hiddenFill>
-            </a:ext>
-          </a:extLst>
-        </p:spPr>
-        <p:txBody>
-          <a:bodyPr/>
-          <a:lstStyle/>
-          <a:p>
-            <a:endParaRPr lang="ko-KR" altLang="en-US"/>
-          </a:p>
-        </p:txBody>
-      </p:sp>
-      <p:sp>
-        <p:nvSpPr>
-          <p:cNvPr id="41996" name="Line 12">
+          </p:spPr>
+          <p:txBody>
+            <a:bodyPr/>
+            <a:lstStyle/>
+            <a:p>
+              <a:endParaRPr lang="ko-KR" altLang="en-US"/>
+            </a:p>
+          </p:txBody>
+        </p:sp>
+        <p:sp>
+          <p:nvSpPr>
+            <p:cNvPr id="41996" name="Line 12">
+              <a:extLst>
+                <a:ext uri="{FF2B5EF4-FFF2-40B4-BE49-F238E27FC236}">
+                  <a16:creationId xmlns:a16="http://schemas.microsoft.com/office/drawing/2014/main" id="{9C15DA99-C20A-4A3E-8775-36267887602C}"/>
+                </a:ext>
+              </a:extLst>
+            </p:cNvPr>
+            <p:cNvSpPr>
+              <a:spLocks noChangeShapeType="1"/>
+            </p:cNvSpPr>
+            <p:nvPr/>
+          </p:nvSpPr>
+          <p:spPr bwMode="auto">
+            <a:xfrm>
+              <a:off x="6781800" y="2438400"/>
+              <a:ext cx="0" cy="3352800"/>
+            </a:xfrm>
+            <a:prstGeom prst="line">
+              <a:avLst/>
+            </a:prstGeom>
+            <a:noFill/>
+            <a:ln w="9525">
+              <a:solidFill>
+                <a:schemeClr val="tx1"/>
+              </a:solidFill>
+              <a:round/>
+              <a:headEnd/>
+              <a:tailEnd/>
+            </a:ln>
             <a:extLst>
-              <a:ext uri="{FF2B5EF4-FFF2-40B4-BE49-F238E27FC236}">
-                <a16:creationId xmlns:a16="http://schemas.microsoft.com/office/drawing/2014/main" id="{9C15DA99-C20A-4A3E-8775-36267887602C}"/>
+              <a:ext uri="{909E8E84-426E-40DD-AFC4-6F175D3DCCD1}">
+                <a14:hiddenFill xmlns:a14="http://schemas.microsoft.com/office/drawing/2010/main">
+                  <a:noFill/>
+                </a14:hiddenFill>
               </a:ext>
             </a:extLst>
-          </p:cNvPr>
-          <p:cNvSpPr>
-            <a:spLocks noChangeShapeType="1"/>
-          </p:cNvSpPr>
-          <p:nvPr/>
-        </p:nvSpPr>
-        <p:spPr bwMode="auto">
-          <a:xfrm>
-            <a:off x="6781800" y="2438400"/>
-            <a:ext cx="0" cy="3352800"/>
-          </a:xfrm>
-          <a:prstGeom prst="line">
-            <a:avLst/>
-          </a:prstGeom>
-          <a:noFill/>
-          <a:ln w="9525">
-            <a:solidFill>
-              <a:schemeClr val="tx1"/>
-            </a:solidFill>
-            <a:round/>
-            <a:headEnd/>
-            <a:tailEnd/>
-          </a:ln>
-          <a:extLst>
-            <a:ext uri="{909E8E84-426E-40DD-AFC4-6F175D3DCCD1}">
-              <a14:hiddenFill xmlns:a14="http://schemas.microsoft.com/office/drawing/2010/main">
-                <a:noFill/>
-              </a14:hiddenFill>
-            </a:ext>
-          </a:extLst>
-        </p:spPr>
-        <p:txBody>
-          <a:bodyPr/>
-          <a:lstStyle/>
-          <a:p>
-            <a:endParaRPr lang="ko-KR" altLang="en-US"/>
-          </a:p>
-        </p:txBody>
-      </p:sp>
+          </p:spPr>
+          <p:txBody>
+            <a:bodyPr/>
+            <a:lstStyle/>
+            <a:p>
+              <a:endParaRPr lang="ko-KR" altLang="en-US"/>
+            </a:p>
+          </p:txBody>
+        </p:sp>
+      </p:grpSp>
       <p:sp>
         <p:nvSpPr>
           <p:cNvPr id="41997" name="Text Box 14">
@@ -32035,6 +32889,61 @@
                 <a:headEnd/>
                 <a:tailEnd/>
               </a14:hiddenLine>
+            </a:ext>
+          </a:extLst>
+        </p:spPr>
+      </p:pic>
+      <p:pic>
+        <p:nvPicPr>
+          <p:cNvPr id="3" name="Picture 7" descr="roth+f12-21">
+            <a:extLst>
+              <a:ext uri="{FF2B5EF4-FFF2-40B4-BE49-F238E27FC236}">
+                <a16:creationId xmlns:a16="http://schemas.microsoft.com/office/drawing/2014/main" id="{B57E605A-C690-E0D2-5BE7-DED39E9D74D0}"/>
+              </a:ext>
+            </a:extLst>
+          </p:cNvPr>
+          <p:cNvPicPr>
+            <a:picLocks noChangeAspect="1" noChangeArrowheads="1"/>
+          </p:cNvPicPr>
+          <p:nvPr/>
+        </p:nvPicPr>
+        <p:blipFill>
+          <a:blip r:embed="rId5">
+            <a:extLst>
+              <a:ext uri="{28A0092B-C50C-407E-A947-70E740481C1C}">
+                <a14:useLocalDpi xmlns:a14="http://schemas.microsoft.com/office/drawing/2010/main" val="0"/>
+              </a:ext>
+            </a:extLst>
+          </a:blip>
+          <a:srcRect/>
+          <a:stretch>
+            <a:fillRect/>
+          </a:stretch>
+        </p:blipFill>
+        <p:spPr bwMode="auto">
+          <a:xfrm>
+            <a:off x="467544" y="2531740"/>
+            <a:ext cx="1680038" cy="1617340"/>
+          </a:xfrm>
+          <a:prstGeom prst="rect">
+            <a:avLst/>
+          </a:prstGeom>
+          <a:noFill/>
+          <a:ln w="9525">
+            <a:solidFill>
+              <a:schemeClr val="bg1"/>
+            </a:solidFill>
+            <a:miter lim="800000"/>
+            <a:headEnd/>
+            <a:tailEnd/>
+          </a:ln>
+          <a:extLst>
+            <a:ext uri="{909E8E84-426E-40DD-AFC4-6F175D3DCCD1}">
+              <a14:hiddenFill xmlns:a14="http://schemas.microsoft.com/office/drawing/2010/main">
+                <a:solidFill>
+                  <a:srgbClr val="FFFFFF"/>
+                </a:solidFill>
+              </a14:hiddenFill>
             </a:ext>
           </a:extLst>
         </p:spPr>
@@ -32970,8 +33879,8 @@
         </p:blipFill>
         <p:spPr bwMode="auto">
           <a:xfrm>
-            <a:off x="358775" y="2036763"/>
-            <a:ext cx="8534400" cy="4056062"/>
+            <a:off x="502791" y="2036763"/>
+            <a:ext cx="8173665" cy="3884619"/>
           </a:xfrm>
           <a:prstGeom prst="rect">
             <a:avLst/>
